--- a/okadome/SVM紹介.pptx
+++ b/okadome/SVM紹介.pptx
@@ -207,7 +207,7 @@
           <a:p>
             <a:fld id="{681DD691-8CEE-4C2C-B250-DFEDFCA4C3CF}" type="datetimeFigureOut">
               <a:rPr kumimoji="1" lang="ja-JP" altLang="en-US" smtClean="0"/>
-              <a:t>2018/11/11</a:t>
+              <a:t>2018/11/15</a:t>
             </a:fld>
             <a:endParaRPr kumimoji="1" lang="ja-JP" altLang="en-US"/>
           </a:p>
@@ -902,7 +902,7 @@
           <a:p>
             <a:fld id="{5C9CD4E0-EEDF-45E8-9685-B5DED0D8B948}" type="datetimeFigureOut">
               <a:rPr kumimoji="1" lang="ja-JP" altLang="en-US" smtClean="0"/>
-              <a:t>2018/11/11</a:t>
+              <a:t>2018/11/15</a:t>
             </a:fld>
             <a:endParaRPr kumimoji="1" lang="ja-JP" altLang="en-US"/>
           </a:p>
@@ -1133,7 +1133,7 @@
           <a:p>
             <a:fld id="{5C9CD4E0-EEDF-45E8-9685-B5DED0D8B948}" type="datetimeFigureOut">
               <a:rPr kumimoji="1" lang="ja-JP" altLang="en-US" smtClean="0"/>
-              <a:t>2018/11/11</a:t>
+              <a:t>2018/11/15</a:t>
             </a:fld>
             <a:endParaRPr kumimoji="1" lang="ja-JP" altLang="en-US"/>
           </a:p>
@@ -1857,7 +1857,7 @@
           <a:p>
             <a:fld id="{5C9CD4E0-EEDF-45E8-9685-B5DED0D8B948}" type="datetimeFigureOut">
               <a:rPr kumimoji="1" lang="ja-JP" altLang="en-US" smtClean="0"/>
-              <a:t>2018/11/11</a:t>
+              <a:t>2018/11/15</a:t>
             </a:fld>
             <a:endParaRPr kumimoji="1" lang="ja-JP" altLang="en-US"/>
           </a:p>
@@ -2307,7 +2307,7 @@
           <a:p>
             <a:fld id="{5C9CD4E0-EEDF-45E8-9685-B5DED0D8B948}" type="datetimeFigureOut">
               <a:rPr kumimoji="1" lang="ja-JP" altLang="en-US" smtClean="0"/>
-              <a:t>2018/11/11</a:t>
+              <a:t>2018/11/15</a:t>
             </a:fld>
             <a:endParaRPr kumimoji="1" lang="ja-JP" altLang="en-US"/>
           </a:p>
@@ -2514,7 +2514,7 @@
           <a:p>
             <a:fld id="{5C9CD4E0-EEDF-45E8-9685-B5DED0D8B948}" type="datetimeFigureOut">
               <a:rPr kumimoji="1" lang="ja-JP" altLang="en-US" smtClean="0"/>
-              <a:t>2018/11/11</a:t>
+              <a:t>2018/11/15</a:t>
             </a:fld>
             <a:endParaRPr kumimoji="1" lang="ja-JP" altLang="en-US"/>
           </a:p>
@@ -2842,7 +2842,7 @@
           <a:p>
             <a:fld id="{5C9CD4E0-EEDF-45E8-9685-B5DED0D8B948}" type="datetimeFigureOut">
               <a:rPr kumimoji="1" lang="ja-JP" altLang="en-US" smtClean="0"/>
-              <a:t>2018/11/11</a:t>
+              <a:t>2018/11/15</a:t>
             </a:fld>
             <a:endParaRPr kumimoji="1" lang="ja-JP" altLang="en-US"/>
           </a:p>
@@ -3118,7 +3118,7 @@
           <a:p>
             <a:fld id="{5C9CD4E0-EEDF-45E8-9685-B5DED0D8B948}" type="datetimeFigureOut">
               <a:rPr kumimoji="1" lang="ja-JP" altLang="en-US" smtClean="0"/>
-              <a:t>2018/11/11</a:t>
+              <a:t>2018/11/15</a:t>
             </a:fld>
             <a:endParaRPr kumimoji="1" lang="ja-JP" altLang="en-US"/>
           </a:p>
@@ -10328,7 +10328,15 @@
             </a:r>
             <a:r>
               <a:rPr kumimoji="1" lang="ja-JP" altLang="en-US" dirty="0"/>
-              <a:t>という二値分類を繰り返す</a:t>
+              <a:t>という二値分類を繰り返す（</a:t>
+            </a:r>
+            <a:r>
+              <a:rPr kumimoji="1" lang="en-US" altLang="ja-JP"/>
+              <a:t>OVR</a:t>
+            </a:r>
+            <a:r>
+              <a:rPr kumimoji="1" lang="ja-JP" altLang="en-US"/>
+              <a:t>）</a:t>
             </a:r>
             <a:endParaRPr kumimoji="1" lang="en-US" altLang="ja-JP" dirty="0"/>
           </a:p>
@@ -10344,7 +10352,15 @@
             </a:r>
             <a:r>
               <a:rPr lang="ja-JP" altLang="en-US" dirty="0"/>
-              <a:t>は一対一分類</a:t>
+              <a:t>は一対一分類　（</a:t>
+            </a:r>
+            <a:r>
+              <a:rPr lang="en-US" altLang="ja-JP" dirty="0"/>
+              <a:t>OVO</a:t>
+            </a:r>
+            <a:r>
+              <a:rPr lang="ja-JP" altLang="en-US" dirty="0"/>
+              <a:t>）</a:t>
             </a:r>
             <a:endParaRPr lang="en-US" altLang="ja-JP" dirty="0"/>
           </a:p>
